--- a/Database Technologies/Session1.pptx
+++ b/Database Technologies/Session1.pptx
@@ -5,10 +5,10 @@
     <p:sldMasterId id="2147483648" r:id="rId1"/>
   </p:sldMasterIdLst>
   <p:notesMasterIdLst>
-    <p:notesMasterId r:id="rId17"/>
+    <p:notesMasterId r:id="rId24"/>
   </p:notesMasterIdLst>
   <p:handoutMasterIdLst>
-    <p:handoutMasterId r:id="rId18"/>
+    <p:handoutMasterId r:id="rId25"/>
   </p:handoutMasterIdLst>
   <p:sldIdLst>
     <p:sldId id="257" r:id="rId3"/>
@@ -25,6 +25,13 @@
     <p:sldId id="268" r:id="rId14"/>
     <p:sldId id="271" r:id="rId15"/>
     <p:sldId id="272" r:id="rId16"/>
+    <p:sldId id="273" r:id="rId17"/>
+    <p:sldId id="280" r:id="rId18"/>
+    <p:sldId id="274" r:id="rId19"/>
+    <p:sldId id="278" r:id="rId20"/>
+    <p:sldId id="275" r:id="rId21"/>
+    <p:sldId id="276" r:id="rId22"/>
+    <p:sldId id="277" r:id="rId23"/>
   </p:sldIdLst>
   <p:sldSz cx="9144000" cy="6858000" type="screen4x3"/>
   <p:notesSz cx="6858000" cy="9144000"/>
@@ -5652,12 +5659,20 @@
           <a:lstStyle/>
           <a:p>
             <a:r>
-              <a:rPr sz="3200" dirty="0">
+              <a:rPr lang="en-US" altLang="en-IN" sz="3200" dirty="0">
                 <a:latin typeface="+mn-lt"/>
                 <a:cs typeface="+mn-lt"/>
                 <a:sym typeface="+mn-ea"/>
               </a:rPr>
-              <a:t>Types of Data Models</a:t>
+              <a:t>T</a:t>
+            </a:r>
+            <a:r>
+              <a:rPr lang="en-IN" sz="3200" dirty="0">
+                <a:latin typeface="+mn-lt"/>
+                <a:cs typeface="+mn-lt"/>
+                <a:sym typeface="+mn-ea"/>
+              </a:rPr>
+              <a:t>hree level of data modeling</a:t>
             </a:r>
             <a:endParaRPr sz="3200" dirty="0">
               <a:latin typeface="+mn-lt"/>
@@ -5736,6 +5751,820 @@
               <a:t>Physical: This Data Model describes HOW the system will be implemented using a specific DBMS system. The purpose is actual implementation of the database.</a:t>
             </a:r>
             <a:endParaRPr sz="2400" dirty="0" smtClean="0">
+              <a:latin typeface="+mn-lt"/>
+              <a:cs typeface="+mn-lt"/>
+            </a:endParaRPr>
+          </a:p>
+        </p:txBody>
+      </p:sp>
+    </p:spTree>
+  </p:cSld>
+  <p:clrMapOvr>
+    <a:masterClrMapping/>
+  </p:clrMapOvr>
+  <p:timing>
+    <p:tnLst>
+      <p:par>
+        <p:cTn id="1" dur="indefinite" restart="never" nodeType="tmRoot"/>
+      </p:par>
+    </p:tnLst>
+  </p:timing>
+</p:sld>
+</file>
+
+<file path=ppt/slides/slide15.xml><?xml version="1.0" encoding="utf-8"?>
+<p:sld xmlns:a="http://schemas.openxmlformats.org/drawingml/2006/main" xmlns:r="http://schemas.openxmlformats.org/officeDocument/2006/relationships" xmlns:p="http://schemas.openxmlformats.org/presentationml/2006/main">
+  <p:cSld>
+    <p:spTree>
+      <p:nvGrpSpPr>
+        <p:cNvPr id="1" name=""/>
+        <p:cNvGrpSpPr/>
+        <p:nvPr/>
+      </p:nvGrpSpPr>
+      <p:grpSpPr>
+        <a:xfrm>
+          <a:off x="0" y="0"/>
+          <a:ext cx="0" cy="0"/>
+          <a:chOff x="0" y="0"/>
+          <a:chExt cx="0" cy="0"/>
+        </a:xfrm>
+      </p:grpSpPr>
+      <p:sp>
+        <p:nvSpPr>
+          <p:cNvPr id="2" name="Title 1"/>
+          <p:cNvSpPr>
+            <a:spLocks noGrp="1"/>
+          </p:cNvSpPr>
+          <p:nvPr>
+            <p:ph type="title"/>
+          </p:nvPr>
+        </p:nvSpPr>
+        <p:spPr>
+          <a:xfrm>
+            <a:off x="182245" y="245745"/>
+            <a:ext cx="7772400" cy="1143000"/>
+          </a:xfrm>
+        </p:spPr>
+        <p:txBody>
+          <a:bodyPr/>
+          <a:lstStyle/>
+          <a:p>
+            <a:r>
+              <a:rPr lang="" sz="3200" dirty="0" smtClean="0">
+                <a:latin typeface="+mn-lt"/>
+                <a:cs typeface="+mn-lt"/>
+                <a:sym typeface="+mn-ea"/>
+              </a:rPr>
+              <a:t>C</a:t>
+            </a:r>
+            <a:r>
+              <a:rPr sz="3200" dirty="0" smtClean="0">
+                <a:latin typeface="+mn-lt"/>
+                <a:cs typeface="+mn-lt"/>
+                <a:sym typeface="+mn-ea"/>
+              </a:rPr>
+              <a:t>onceptual data model</a:t>
+            </a:r>
+            <a:endParaRPr sz="3200" dirty="0">
+              <a:latin typeface="+mn-lt"/>
+              <a:cs typeface="+mn-lt"/>
+              <a:sym typeface="+mn-ea"/>
+            </a:endParaRPr>
+          </a:p>
+        </p:txBody>
+      </p:sp>
+      <p:sp>
+        <p:nvSpPr>
+          <p:cNvPr id="3" name="Content Placeholder 2"/>
+          <p:cNvSpPr>
+            <a:spLocks noGrp="1"/>
+          </p:cNvSpPr>
+          <p:nvPr>
+            <p:ph idx="1"/>
+          </p:nvPr>
+        </p:nvSpPr>
+        <p:spPr>
+          <a:xfrm>
+            <a:off x="617220" y="1265555"/>
+            <a:ext cx="7909560" cy="5052060"/>
+          </a:xfrm>
+        </p:spPr>
+        <p:txBody>
+          <a:bodyPr/>
+          <a:lstStyle/>
+          <a:p>
+            <a:pPr marL="0" indent="0" algn="just">
+              <a:lnSpc>
+                <a:spcPct val="120000"/>
+              </a:lnSpc>
+              <a:buNone/>
+            </a:pPr>
+            <a:r>
+              <a:rPr sz="2400" dirty="0" smtClean="0">
+                <a:latin typeface="+mn-lt"/>
+                <a:cs typeface="+mn-lt"/>
+              </a:rPr>
+              <a:t>A conceptual data model identifies the highest-level relationships between the different entities. Features of conceptual data model include:</a:t>
+            </a:r>
+            <a:endParaRPr sz="2400" dirty="0" smtClean="0">
+              <a:latin typeface="+mn-lt"/>
+              <a:cs typeface="+mn-lt"/>
+            </a:endParaRPr>
+          </a:p>
+          <a:p>
+            <a:pPr lvl="1" algn="just">
+              <a:lnSpc>
+                <a:spcPct val="120000"/>
+              </a:lnSpc>
+            </a:pPr>
+            <a:r>
+              <a:rPr sz="2100" dirty="0" smtClean="0">
+                <a:latin typeface="+mn-lt"/>
+                <a:cs typeface="+mn-lt"/>
+              </a:rPr>
+              <a:t>Includes the important entities and the relationships among them.</a:t>
+            </a:r>
+            <a:endParaRPr sz="2100" dirty="0" smtClean="0">
+              <a:latin typeface="+mn-lt"/>
+              <a:cs typeface="+mn-lt"/>
+            </a:endParaRPr>
+          </a:p>
+          <a:p>
+            <a:pPr lvl="1" algn="just">
+              <a:lnSpc>
+                <a:spcPct val="120000"/>
+              </a:lnSpc>
+            </a:pPr>
+            <a:r>
+              <a:rPr sz="2100" dirty="0" smtClean="0">
+                <a:latin typeface="+mn-lt"/>
+                <a:cs typeface="+mn-lt"/>
+              </a:rPr>
+              <a:t>No attribute is specified.</a:t>
+            </a:r>
+            <a:endParaRPr sz="2100" dirty="0" smtClean="0">
+              <a:latin typeface="+mn-lt"/>
+              <a:cs typeface="+mn-lt"/>
+            </a:endParaRPr>
+          </a:p>
+          <a:p>
+            <a:pPr lvl="1" algn="just">
+              <a:lnSpc>
+                <a:spcPct val="120000"/>
+              </a:lnSpc>
+            </a:pPr>
+            <a:r>
+              <a:rPr sz="2100" dirty="0" smtClean="0">
+                <a:latin typeface="+mn-lt"/>
+                <a:cs typeface="+mn-lt"/>
+              </a:rPr>
+              <a:t>No primary key is specified.</a:t>
+            </a:r>
+            <a:endParaRPr sz="2100" dirty="0" smtClean="0">
+              <a:latin typeface="+mn-lt"/>
+              <a:cs typeface="+mn-lt"/>
+            </a:endParaRPr>
+          </a:p>
+        </p:txBody>
+      </p:sp>
+    </p:spTree>
+  </p:cSld>
+  <p:clrMapOvr>
+    <a:masterClrMapping/>
+  </p:clrMapOvr>
+  <p:timing>
+    <p:tnLst>
+      <p:par>
+        <p:cTn id="1" dur="indefinite" restart="never" nodeType="tmRoot"/>
+      </p:par>
+    </p:tnLst>
+  </p:timing>
+</p:sld>
+</file>
+
+<file path=ppt/slides/slide16.xml><?xml version="1.0" encoding="utf-8"?>
+<p:sld xmlns:a="http://schemas.openxmlformats.org/drawingml/2006/main" xmlns:r="http://schemas.openxmlformats.org/officeDocument/2006/relationships" xmlns:p="http://schemas.openxmlformats.org/presentationml/2006/main">
+  <p:cSld>
+    <p:spTree>
+      <p:nvGrpSpPr>
+        <p:cNvPr id="1" name=""/>
+        <p:cNvGrpSpPr/>
+        <p:nvPr/>
+      </p:nvGrpSpPr>
+      <p:grpSpPr>
+        <a:xfrm>
+          <a:off x="0" y="0"/>
+          <a:ext cx="0" cy="0"/>
+          <a:chOff x="0" y="0"/>
+          <a:chExt cx="0" cy="0"/>
+        </a:xfrm>
+      </p:grpSpPr>
+      <p:sp>
+        <p:nvSpPr>
+          <p:cNvPr id="2" name="Title 1"/>
+          <p:cNvSpPr>
+            <a:spLocks noGrp="1"/>
+          </p:cNvSpPr>
+          <p:nvPr>
+            <p:ph type="title"/>
+          </p:nvPr>
+        </p:nvSpPr>
+        <p:spPr>
+          <a:xfrm>
+            <a:off x="141605" y="122555"/>
+            <a:ext cx="7772400" cy="1143000"/>
+          </a:xfrm>
+        </p:spPr>
+        <p:txBody>
+          <a:bodyPr/>
+          <a:lstStyle/>
+          <a:p>
+            <a:r>
+              <a:rPr lang="en-US" sz="3200" dirty="0" smtClean="0">
+                <a:latin typeface="+mn-lt"/>
+                <a:cs typeface="+mn-lt"/>
+                <a:sym typeface="+mn-ea"/>
+              </a:rPr>
+              <a:t>D</a:t>
+            </a:r>
+            <a:r>
+              <a:rPr sz="3200" dirty="0" smtClean="0">
+                <a:latin typeface="+mn-lt"/>
+                <a:cs typeface="+mn-lt"/>
+                <a:sym typeface="+mn-ea"/>
+              </a:rPr>
+              <a:t>ata model</a:t>
+            </a:r>
+            <a:r>
+              <a:rPr lang="en-US" sz="3200" dirty="0" smtClean="0">
+                <a:latin typeface="+mn-lt"/>
+                <a:cs typeface="+mn-lt"/>
+                <a:sym typeface="+mn-ea"/>
+              </a:rPr>
+              <a:t>ling</a:t>
+            </a:r>
+            <a:endParaRPr lang="en-US" sz="3200" dirty="0" smtClean="0">
+              <a:latin typeface="+mn-lt"/>
+              <a:cs typeface="+mn-lt"/>
+              <a:sym typeface="+mn-ea"/>
+            </a:endParaRPr>
+          </a:p>
+        </p:txBody>
+      </p:sp>
+      <p:pic>
+        <p:nvPicPr>
+          <p:cNvPr id="5" name="Content Placeholder 4" descr="/home/jishnu/Downloads/FireShot/FireShot Capture 004 - Sanjay Gupta_ Difference between Conceptual, Logical and Physical Dat_ - uksanjay.blogspot.com.pngFireShot Capture 004 - Sanjay Gupta_ Difference between Conceptual, Logical and Physical Dat_ - uksanjay.blogspot.com"/>
+          <p:cNvPicPr>
+            <a:picLocks noChangeAspect="1"/>
+          </p:cNvPicPr>
+          <p:nvPr>
+            <p:ph idx="1"/>
+          </p:nvPr>
+        </p:nvPicPr>
+        <p:blipFill>
+          <a:blip r:embed="rId1"/>
+          <a:srcRect/>
+          <a:stretch>
+            <a:fillRect/>
+          </a:stretch>
+        </p:blipFill>
+        <p:spPr>
+          <a:xfrm>
+            <a:off x="1049338" y="1353503"/>
+            <a:ext cx="6339840" cy="4401820"/>
+          </a:xfrm>
+          <a:prstGeom prst="rect">
+            <a:avLst/>
+          </a:prstGeom>
+        </p:spPr>
+      </p:pic>
+    </p:spTree>
+  </p:cSld>
+  <p:clrMapOvr>
+    <a:masterClrMapping/>
+  </p:clrMapOvr>
+  <p:timing>
+    <p:tnLst>
+      <p:par>
+        <p:cTn id="1" dur="indefinite" restart="never" nodeType="tmRoot"/>
+      </p:par>
+    </p:tnLst>
+  </p:timing>
+</p:sld>
+</file>
+
+<file path=ppt/slides/slide17.xml><?xml version="1.0" encoding="utf-8"?>
+<p:sld xmlns:a="http://schemas.openxmlformats.org/drawingml/2006/main" xmlns:r="http://schemas.openxmlformats.org/officeDocument/2006/relationships" xmlns:p="http://schemas.openxmlformats.org/presentationml/2006/main">
+  <p:cSld>
+    <p:spTree>
+      <p:nvGrpSpPr>
+        <p:cNvPr id="1" name=""/>
+        <p:cNvGrpSpPr/>
+        <p:nvPr/>
+      </p:nvGrpSpPr>
+      <p:grpSpPr>
+        <a:xfrm>
+          <a:off x="0" y="0"/>
+          <a:ext cx="0" cy="0"/>
+          <a:chOff x="0" y="0"/>
+          <a:chExt cx="0" cy="0"/>
+        </a:xfrm>
+      </p:grpSpPr>
+      <p:sp>
+        <p:nvSpPr>
+          <p:cNvPr id="2" name="Title 1"/>
+          <p:cNvSpPr>
+            <a:spLocks noGrp="1"/>
+          </p:cNvSpPr>
+          <p:nvPr>
+            <p:ph type="title"/>
+          </p:nvPr>
+        </p:nvSpPr>
+        <p:spPr>
+          <a:xfrm>
+            <a:off x="182245" y="245745"/>
+            <a:ext cx="7772400" cy="1143000"/>
+          </a:xfrm>
+        </p:spPr>
+        <p:txBody>
+          <a:bodyPr/>
+          <a:lstStyle/>
+          <a:p>
+            <a:r>
+              <a:rPr lang="" sz="3200" dirty="0" smtClean="0">
+                <a:latin typeface="+mn-lt"/>
+                <a:cs typeface="+mn-lt"/>
+                <a:sym typeface="+mn-ea"/>
+              </a:rPr>
+              <a:t>L</a:t>
+            </a:r>
+            <a:r>
+              <a:rPr sz="3200" dirty="0" smtClean="0">
+                <a:latin typeface="+mn-lt"/>
+                <a:cs typeface="+mn-lt"/>
+                <a:sym typeface="+mn-ea"/>
+              </a:rPr>
+              <a:t>ogical </a:t>
+            </a:r>
+            <a:r>
+              <a:rPr sz="3200" dirty="0" smtClean="0">
+                <a:latin typeface="+mn-lt"/>
+                <a:cs typeface="+mn-lt"/>
+                <a:sym typeface="+mn-ea"/>
+              </a:rPr>
+              <a:t>data model</a:t>
+            </a:r>
+            <a:endParaRPr sz="3200" dirty="0">
+              <a:latin typeface="+mn-lt"/>
+              <a:cs typeface="+mn-lt"/>
+              <a:sym typeface="+mn-ea"/>
+            </a:endParaRPr>
+          </a:p>
+        </p:txBody>
+      </p:sp>
+      <p:sp>
+        <p:nvSpPr>
+          <p:cNvPr id="3" name="Content Placeholder 2"/>
+          <p:cNvSpPr>
+            <a:spLocks noGrp="1"/>
+          </p:cNvSpPr>
+          <p:nvPr>
+            <p:ph idx="1"/>
+          </p:nvPr>
+        </p:nvSpPr>
+        <p:spPr>
+          <a:xfrm>
+            <a:off x="617220" y="1265555"/>
+            <a:ext cx="7909560" cy="5052060"/>
+          </a:xfrm>
+        </p:spPr>
+        <p:txBody>
+          <a:bodyPr/>
+          <a:lstStyle/>
+          <a:p>
+            <a:pPr marL="0" indent="0" algn="just">
+              <a:lnSpc>
+                <a:spcPct val="120000"/>
+              </a:lnSpc>
+              <a:buNone/>
+            </a:pPr>
+            <a:r>
+              <a:rPr sz="2400" dirty="0" smtClean="0">
+                <a:latin typeface="+mn-lt"/>
+                <a:cs typeface="+mn-lt"/>
+              </a:rPr>
+              <a:t>A logical data model describes the data in as much detail as possible, without regard to how they will be physical implemented in the database. Features of a logical data model include:</a:t>
+            </a:r>
+            <a:endParaRPr sz="2400" dirty="0" smtClean="0">
+              <a:latin typeface="+mn-lt"/>
+              <a:cs typeface="+mn-lt"/>
+            </a:endParaRPr>
+          </a:p>
+          <a:p>
+            <a:pPr lvl="1" algn="just">
+              <a:lnSpc>
+                <a:spcPct val="120000"/>
+              </a:lnSpc>
+            </a:pPr>
+            <a:r>
+              <a:rPr sz="2100" dirty="0" smtClean="0">
+                <a:latin typeface="+mn-lt"/>
+                <a:cs typeface="+mn-lt"/>
+              </a:rPr>
+              <a:t>Includes all entities and relationships among them.</a:t>
+            </a:r>
+            <a:endParaRPr sz="2100" dirty="0" smtClean="0">
+              <a:latin typeface="+mn-lt"/>
+              <a:cs typeface="+mn-lt"/>
+            </a:endParaRPr>
+          </a:p>
+          <a:p>
+            <a:pPr lvl="1" algn="just">
+              <a:lnSpc>
+                <a:spcPct val="120000"/>
+              </a:lnSpc>
+            </a:pPr>
+            <a:r>
+              <a:rPr sz="2100" dirty="0" smtClean="0">
+                <a:latin typeface="+mn-lt"/>
+                <a:cs typeface="+mn-lt"/>
+              </a:rPr>
+              <a:t>All attributes for each entity are specified.</a:t>
+            </a:r>
+            <a:endParaRPr sz="2100" dirty="0" smtClean="0">
+              <a:latin typeface="+mn-lt"/>
+              <a:cs typeface="+mn-lt"/>
+            </a:endParaRPr>
+          </a:p>
+          <a:p>
+            <a:pPr lvl="1" algn="just">
+              <a:lnSpc>
+                <a:spcPct val="120000"/>
+              </a:lnSpc>
+            </a:pPr>
+            <a:r>
+              <a:rPr sz="2100" dirty="0" smtClean="0">
+                <a:latin typeface="+mn-lt"/>
+                <a:cs typeface="+mn-lt"/>
+              </a:rPr>
+              <a:t>The primary key for each entity is specified.</a:t>
+            </a:r>
+            <a:endParaRPr sz="2100" dirty="0" smtClean="0">
+              <a:latin typeface="+mn-lt"/>
+              <a:cs typeface="+mn-lt"/>
+            </a:endParaRPr>
+          </a:p>
+          <a:p>
+            <a:pPr lvl="1" algn="just">
+              <a:lnSpc>
+                <a:spcPct val="120000"/>
+              </a:lnSpc>
+            </a:pPr>
+            <a:r>
+              <a:rPr sz="2100" dirty="0" smtClean="0">
+                <a:latin typeface="+mn-lt"/>
+                <a:cs typeface="+mn-lt"/>
+              </a:rPr>
+              <a:t>Foreign keys (keys identifying the relationship between different entities) are specified.</a:t>
+            </a:r>
+            <a:endParaRPr sz="2100" dirty="0" smtClean="0">
+              <a:latin typeface="+mn-lt"/>
+              <a:cs typeface="+mn-lt"/>
+            </a:endParaRPr>
+          </a:p>
+          <a:p>
+            <a:pPr lvl="1" algn="just">
+              <a:lnSpc>
+                <a:spcPct val="120000"/>
+              </a:lnSpc>
+            </a:pPr>
+            <a:r>
+              <a:rPr sz="2100" dirty="0" smtClean="0">
+                <a:latin typeface="+mn-lt"/>
+                <a:cs typeface="+mn-lt"/>
+              </a:rPr>
+              <a:t>Normalization occurs at this level.</a:t>
+            </a:r>
+            <a:endParaRPr sz="2100" dirty="0" smtClean="0">
+              <a:latin typeface="+mn-lt"/>
+              <a:cs typeface="+mn-lt"/>
+            </a:endParaRPr>
+          </a:p>
+          <a:p>
+            <a:pPr marL="0" indent="0" algn="just">
+              <a:lnSpc>
+                <a:spcPct val="120000"/>
+              </a:lnSpc>
+              <a:buNone/>
+            </a:pPr>
+            <a:endParaRPr sz="2400" dirty="0" smtClean="0">
+              <a:latin typeface="+mn-lt"/>
+              <a:cs typeface="+mn-lt"/>
+            </a:endParaRPr>
+          </a:p>
+        </p:txBody>
+      </p:sp>
+    </p:spTree>
+  </p:cSld>
+  <p:clrMapOvr>
+    <a:masterClrMapping/>
+  </p:clrMapOvr>
+  <p:timing>
+    <p:tnLst>
+      <p:par>
+        <p:cTn id="1" dur="indefinite" restart="never" nodeType="tmRoot"/>
+      </p:par>
+    </p:tnLst>
+  </p:timing>
+</p:sld>
+</file>
+
+<file path=ppt/slides/slide18.xml><?xml version="1.0" encoding="utf-8"?>
+<p:sld xmlns:a="http://schemas.openxmlformats.org/drawingml/2006/main" xmlns:r="http://schemas.openxmlformats.org/officeDocument/2006/relationships" xmlns:p="http://schemas.openxmlformats.org/presentationml/2006/main">
+  <p:cSld>
+    <p:spTree>
+      <p:nvGrpSpPr>
+        <p:cNvPr id="1" name=""/>
+        <p:cNvGrpSpPr/>
+        <p:nvPr/>
+      </p:nvGrpSpPr>
+      <p:grpSpPr>
+        <a:xfrm>
+          <a:off x="0" y="0"/>
+          <a:ext cx="0" cy="0"/>
+          <a:chOff x="0" y="0"/>
+          <a:chExt cx="0" cy="0"/>
+        </a:xfrm>
+      </p:grpSpPr>
+      <p:sp>
+        <p:nvSpPr>
+          <p:cNvPr id="2" name="Title 1"/>
+          <p:cNvSpPr>
+            <a:spLocks noGrp="1"/>
+          </p:cNvSpPr>
+          <p:nvPr>
+            <p:ph type="title"/>
+          </p:nvPr>
+        </p:nvSpPr>
+        <p:spPr>
+          <a:xfrm>
+            <a:off x="141605" y="122555"/>
+            <a:ext cx="7772400" cy="1143000"/>
+          </a:xfrm>
+        </p:spPr>
+        <p:txBody>
+          <a:bodyPr/>
+          <a:lstStyle/>
+          <a:p>
+            <a:r>
+              <a:rPr lang="en-US" sz="3200" dirty="0" smtClean="0">
+                <a:latin typeface="+mn-lt"/>
+                <a:cs typeface="+mn-lt"/>
+                <a:sym typeface="+mn-ea"/>
+              </a:rPr>
+              <a:t>D</a:t>
+            </a:r>
+            <a:r>
+              <a:rPr sz="3200" dirty="0" smtClean="0">
+                <a:latin typeface="+mn-lt"/>
+                <a:cs typeface="+mn-lt"/>
+                <a:sym typeface="+mn-ea"/>
+              </a:rPr>
+              <a:t>ata model</a:t>
+            </a:r>
+            <a:r>
+              <a:rPr lang="en-US" sz="3200" dirty="0" smtClean="0">
+                <a:latin typeface="+mn-lt"/>
+                <a:cs typeface="+mn-lt"/>
+                <a:sym typeface="+mn-ea"/>
+              </a:rPr>
+              <a:t>ling</a:t>
+            </a:r>
+            <a:endParaRPr lang="en-US" sz="3200" dirty="0" smtClean="0">
+              <a:latin typeface="+mn-lt"/>
+              <a:cs typeface="+mn-lt"/>
+              <a:sym typeface="+mn-ea"/>
+            </a:endParaRPr>
+          </a:p>
+        </p:txBody>
+      </p:sp>
+      <p:pic>
+        <p:nvPicPr>
+          <p:cNvPr id="5" name="Content Placeholder 4" descr="/home/jishnu/Downloads/FireShot/FireShot Capture 003 - Sanjay Gupta_ Difference between Conceptual, Logical and Physical Dat_ - uksanjay.blogspot.com.pngFireShot Capture 003 - Sanjay Gupta_ Difference between Conceptual, Logical and Physical Dat_ - uksanjay.blogspot.com"/>
+          <p:cNvPicPr>
+            <a:picLocks noChangeAspect="1"/>
+          </p:cNvPicPr>
+          <p:nvPr>
+            <p:ph idx="1"/>
+          </p:nvPr>
+        </p:nvPicPr>
+        <p:blipFill>
+          <a:blip r:embed="rId1"/>
+          <a:srcRect/>
+          <a:stretch>
+            <a:fillRect/>
+          </a:stretch>
+        </p:blipFill>
+        <p:spPr>
+          <a:xfrm>
+            <a:off x="1049338" y="1265555"/>
+            <a:ext cx="6339840" cy="4577715"/>
+          </a:xfrm>
+          <a:prstGeom prst="rect">
+            <a:avLst/>
+          </a:prstGeom>
+        </p:spPr>
+      </p:pic>
+    </p:spTree>
+  </p:cSld>
+  <p:clrMapOvr>
+    <a:masterClrMapping/>
+  </p:clrMapOvr>
+  <p:timing>
+    <p:tnLst>
+      <p:par>
+        <p:cTn id="1" dur="indefinite" restart="never" nodeType="tmRoot"/>
+      </p:par>
+    </p:tnLst>
+  </p:timing>
+</p:sld>
+</file>
+
+<file path=ppt/slides/slide19.xml><?xml version="1.0" encoding="utf-8"?>
+<p:sld xmlns:a="http://schemas.openxmlformats.org/drawingml/2006/main" xmlns:r="http://schemas.openxmlformats.org/officeDocument/2006/relationships" xmlns:p="http://schemas.openxmlformats.org/presentationml/2006/main">
+  <p:cSld>
+    <p:spTree>
+      <p:nvGrpSpPr>
+        <p:cNvPr id="1" name=""/>
+        <p:cNvGrpSpPr/>
+        <p:nvPr/>
+      </p:nvGrpSpPr>
+      <p:grpSpPr>
+        <a:xfrm>
+          <a:off x="0" y="0"/>
+          <a:ext cx="0" cy="0"/>
+          <a:chOff x="0" y="0"/>
+          <a:chExt cx="0" cy="0"/>
+        </a:xfrm>
+      </p:grpSpPr>
+      <p:sp>
+        <p:nvSpPr>
+          <p:cNvPr id="2" name="Title 1"/>
+          <p:cNvSpPr>
+            <a:spLocks noGrp="1"/>
+          </p:cNvSpPr>
+          <p:nvPr>
+            <p:ph type="title"/>
+          </p:nvPr>
+        </p:nvSpPr>
+        <p:spPr>
+          <a:xfrm>
+            <a:off x="141605" y="122555"/>
+            <a:ext cx="7772400" cy="1143000"/>
+          </a:xfrm>
+        </p:spPr>
+        <p:txBody>
+          <a:bodyPr/>
+          <a:lstStyle/>
+          <a:p>
+            <a:r>
+              <a:rPr lang="" sz="3200" dirty="0" smtClean="0">
+                <a:latin typeface="+mn-lt"/>
+                <a:cs typeface="+mn-lt"/>
+                <a:sym typeface="+mn-ea"/>
+              </a:rPr>
+              <a:t>P</a:t>
+            </a:r>
+            <a:r>
+              <a:rPr sz="3200" dirty="0" smtClean="0">
+                <a:latin typeface="+mn-lt"/>
+                <a:cs typeface="+mn-lt"/>
+                <a:sym typeface="+mn-ea"/>
+              </a:rPr>
+              <a:t>hysical </a:t>
+            </a:r>
+            <a:r>
+              <a:rPr sz="3200" dirty="0" smtClean="0">
+                <a:latin typeface="+mn-lt"/>
+                <a:cs typeface="+mn-lt"/>
+                <a:sym typeface="+mn-ea"/>
+              </a:rPr>
+              <a:t>data model</a:t>
+            </a:r>
+            <a:endParaRPr sz="3200" dirty="0">
+              <a:latin typeface="+mn-lt"/>
+              <a:cs typeface="+mn-lt"/>
+              <a:sym typeface="+mn-ea"/>
+            </a:endParaRPr>
+          </a:p>
+        </p:txBody>
+      </p:sp>
+      <p:sp>
+        <p:nvSpPr>
+          <p:cNvPr id="3" name="Content Placeholder 2"/>
+          <p:cNvSpPr>
+            <a:spLocks noGrp="1"/>
+          </p:cNvSpPr>
+          <p:nvPr>
+            <p:ph idx="1"/>
+          </p:nvPr>
+        </p:nvSpPr>
+        <p:spPr>
+          <a:xfrm>
+            <a:off x="384810" y="1183640"/>
+            <a:ext cx="8141970" cy="5639435"/>
+          </a:xfrm>
+        </p:spPr>
+        <p:txBody>
+          <a:bodyPr/>
+          <a:lstStyle/>
+          <a:p>
+            <a:pPr marL="0" indent="0" algn="just">
+              <a:lnSpc>
+                <a:spcPct val="120000"/>
+              </a:lnSpc>
+              <a:buNone/>
+            </a:pPr>
+            <a:r>
+              <a:rPr sz="2400" dirty="0" smtClean="0">
+                <a:latin typeface="+mn-lt"/>
+                <a:cs typeface="+mn-lt"/>
+              </a:rPr>
+              <a:t>Physical data model represents how the model will be built in the database. A physical database model shows all table structures, including column name, column data type, column constraints, primary key, foreign key, and relationships between tables. Features of a physical data model include:</a:t>
+            </a:r>
+            <a:endParaRPr sz="2400" dirty="0" smtClean="0">
+              <a:latin typeface="+mn-lt"/>
+              <a:cs typeface="+mn-lt"/>
+            </a:endParaRPr>
+          </a:p>
+          <a:p>
+            <a:pPr lvl="1" algn="just">
+              <a:lnSpc>
+                <a:spcPct val="120000"/>
+              </a:lnSpc>
+            </a:pPr>
+            <a:r>
+              <a:rPr sz="2100" dirty="0" smtClean="0">
+                <a:latin typeface="+mn-lt"/>
+                <a:cs typeface="+mn-lt"/>
+              </a:rPr>
+              <a:t>Specification all tables and columns.</a:t>
+            </a:r>
+            <a:endParaRPr sz="2100" dirty="0" smtClean="0">
+              <a:latin typeface="+mn-lt"/>
+              <a:cs typeface="+mn-lt"/>
+            </a:endParaRPr>
+          </a:p>
+          <a:p>
+            <a:pPr lvl="1" algn="just">
+              <a:lnSpc>
+                <a:spcPct val="120000"/>
+              </a:lnSpc>
+            </a:pPr>
+            <a:r>
+              <a:rPr sz="2100" dirty="0" smtClean="0">
+                <a:latin typeface="+mn-lt"/>
+                <a:cs typeface="+mn-lt"/>
+              </a:rPr>
+              <a:t>Foreign keys are used to identify relationships between tables.</a:t>
+            </a:r>
+            <a:endParaRPr sz="2100" dirty="0" smtClean="0">
+              <a:latin typeface="+mn-lt"/>
+              <a:cs typeface="+mn-lt"/>
+            </a:endParaRPr>
+          </a:p>
+          <a:p>
+            <a:pPr lvl="1" algn="just">
+              <a:lnSpc>
+                <a:spcPct val="120000"/>
+              </a:lnSpc>
+            </a:pPr>
+            <a:r>
+              <a:rPr sz="2100" dirty="0" smtClean="0">
+                <a:latin typeface="+mn-lt"/>
+                <a:cs typeface="+mn-lt"/>
+              </a:rPr>
+              <a:t>Physical considerations may cause the physical data model to be quite different from the logical data model.</a:t>
+            </a:r>
+            <a:endParaRPr sz="2100" dirty="0" smtClean="0">
+              <a:latin typeface="+mn-lt"/>
+              <a:cs typeface="+mn-lt"/>
+            </a:endParaRPr>
+          </a:p>
+          <a:p>
+            <a:pPr lvl="1" algn="just">
+              <a:lnSpc>
+                <a:spcPct val="120000"/>
+              </a:lnSpc>
+            </a:pPr>
+            <a:r>
+              <a:rPr sz="2100" dirty="0" smtClean="0">
+                <a:latin typeface="+mn-lt"/>
+                <a:cs typeface="+mn-lt"/>
+              </a:rPr>
+              <a:t>Physical data model will be different for different RDBMS. For example, data type for a column may be different between Oracle, DB2 etc.</a:t>
+            </a:r>
+            <a:endParaRPr sz="2100" dirty="0" smtClean="0">
               <a:latin typeface="+mn-lt"/>
               <a:cs typeface="+mn-lt"/>
             </a:endParaRPr>
@@ -5896,11 +6725,18 @@
               </a:lnSpc>
             </a:pPr>
             <a:r>
+              <a:rPr lang="" altLang="en-IN" sz="2400" dirty="0">
+                <a:latin typeface="+mn-lt"/>
+                <a:cs typeface="+mn-lt"/>
+              </a:rPr>
+              <a:t>T</a:t>
+            </a:r>
+            <a:r>
               <a:rPr lang="en-IN" sz="2400" dirty="0">
                 <a:latin typeface="+mn-lt"/>
                 <a:cs typeface="+mn-lt"/>
               </a:rPr>
-              <a:t>Data models (conceptual</a:t>
+              <a:t>hree level of data modeling (conceptual</a:t>
             </a:r>
             <a:r>
               <a:rPr lang="en-US" altLang="en-IN" sz="2400" dirty="0">
@@ -5922,18 +6758,12 @@
             </a:endParaRPr>
           </a:p>
           <a:p>
-            <a:pPr>
+            <a:pPr marL="0" indent="0">
               <a:lnSpc>
                 <a:spcPct val="150000"/>
               </a:lnSpc>
+              <a:buNone/>
             </a:pPr>
-            <a:r>
-              <a:rPr lang="en-IN" sz="2400" dirty="0">
-                <a:latin typeface="+mn-lt"/>
-                <a:cs typeface="+mn-lt"/>
-              </a:rPr>
-              <a:t>Data Integrity &amp; integrity rules</a:t>
-            </a:r>
             <a:endParaRPr lang="en-IN" sz="2400" dirty="0">
               <a:latin typeface="+mn-lt"/>
               <a:cs typeface="+mn-lt"/>
@@ -5941,6 +6771,227 @@
           </a:p>
         </p:txBody>
       </p:sp>
+    </p:spTree>
+  </p:cSld>
+  <p:clrMapOvr>
+    <a:masterClrMapping/>
+  </p:clrMapOvr>
+  <p:timing>
+    <p:tnLst>
+      <p:par>
+        <p:cTn id="1" dur="indefinite" restart="never" nodeType="tmRoot"/>
+      </p:par>
+    </p:tnLst>
+  </p:timing>
+</p:sld>
+</file>
+
+<file path=ppt/slides/slide20.xml><?xml version="1.0" encoding="utf-8"?>
+<p:sld xmlns:a="http://schemas.openxmlformats.org/drawingml/2006/main" xmlns:r="http://schemas.openxmlformats.org/officeDocument/2006/relationships" xmlns:p="http://schemas.openxmlformats.org/presentationml/2006/main">
+  <p:cSld>
+    <p:spTree>
+      <p:nvGrpSpPr>
+        <p:cNvPr id="1" name=""/>
+        <p:cNvGrpSpPr/>
+        <p:nvPr/>
+      </p:nvGrpSpPr>
+      <p:grpSpPr>
+        <a:xfrm>
+          <a:off x="0" y="0"/>
+          <a:ext cx="0" cy="0"/>
+          <a:chOff x="0" y="0"/>
+          <a:chExt cx="0" cy="0"/>
+        </a:xfrm>
+      </p:grpSpPr>
+      <p:sp>
+        <p:nvSpPr>
+          <p:cNvPr id="2" name="Title 1"/>
+          <p:cNvSpPr>
+            <a:spLocks noGrp="1"/>
+          </p:cNvSpPr>
+          <p:nvPr>
+            <p:ph type="title"/>
+          </p:nvPr>
+        </p:nvSpPr>
+        <p:spPr>
+          <a:xfrm>
+            <a:off x="141605" y="122555"/>
+            <a:ext cx="7772400" cy="1143000"/>
+          </a:xfrm>
+        </p:spPr>
+        <p:txBody>
+          <a:bodyPr/>
+          <a:lstStyle/>
+          <a:p>
+            <a:r>
+              <a:rPr lang="" sz="3200" dirty="0" smtClean="0">
+                <a:latin typeface="+mn-lt"/>
+                <a:cs typeface="+mn-lt"/>
+                <a:sym typeface="+mn-ea"/>
+              </a:rPr>
+              <a:t>D</a:t>
+            </a:r>
+            <a:r>
+              <a:rPr sz="3200" dirty="0" smtClean="0">
+                <a:latin typeface="+mn-lt"/>
+                <a:cs typeface="+mn-lt"/>
+                <a:sym typeface="+mn-ea"/>
+              </a:rPr>
+              <a:t>ata model</a:t>
+            </a:r>
+            <a:r>
+              <a:rPr lang="" sz="3200" dirty="0" smtClean="0">
+                <a:latin typeface="+mn-lt"/>
+                <a:cs typeface="+mn-lt"/>
+                <a:sym typeface="+mn-ea"/>
+              </a:rPr>
+              <a:t>ling</a:t>
+            </a:r>
+            <a:endParaRPr lang="" sz="3200" dirty="0" smtClean="0">
+              <a:latin typeface="+mn-lt"/>
+              <a:cs typeface="+mn-lt"/>
+              <a:sym typeface="+mn-ea"/>
+            </a:endParaRPr>
+          </a:p>
+        </p:txBody>
+      </p:sp>
+      <p:pic>
+        <p:nvPicPr>
+          <p:cNvPr id="5" name="Content Placeholder 4" descr="FireShot Capture 002 - Sanjay Gupta_ Difference between Conceptual, Logical and Physical Dat_ - uksanjay.blogspot.com"/>
+          <p:cNvPicPr>
+            <a:picLocks noChangeAspect="1"/>
+          </p:cNvPicPr>
+          <p:nvPr>
+            <p:ph idx="1"/>
+          </p:nvPr>
+        </p:nvPicPr>
+        <p:blipFill>
+          <a:blip r:embed="rId1"/>
+          <a:stretch>
+            <a:fillRect/>
+          </a:stretch>
+        </p:blipFill>
+        <p:spPr>
+          <a:xfrm>
+            <a:off x="873760" y="1265555"/>
+            <a:ext cx="6690995" cy="4577715"/>
+          </a:xfrm>
+          <a:prstGeom prst="rect">
+            <a:avLst/>
+          </a:prstGeom>
+        </p:spPr>
+      </p:pic>
+    </p:spTree>
+  </p:cSld>
+  <p:clrMapOvr>
+    <a:masterClrMapping/>
+  </p:clrMapOvr>
+  <p:timing>
+    <p:tnLst>
+      <p:par>
+        <p:cTn id="1" dur="indefinite" restart="never" nodeType="tmRoot"/>
+      </p:par>
+    </p:tnLst>
+  </p:timing>
+</p:sld>
+</file>
+
+<file path=ppt/slides/slide21.xml><?xml version="1.0" encoding="utf-8"?>
+<p:sld xmlns:a="http://schemas.openxmlformats.org/drawingml/2006/main" xmlns:r="http://schemas.openxmlformats.org/officeDocument/2006/relationships" xmlns:p="http://schemas.openxmlformats.org/presentationml/2006/main">
+  <p:cSld>
+    <p:spTree>
+      <p:nvGrpSpPr>
+        <p:cNvPr id="1" name=""/>
+        <p:cNvGrpSpPr/>
+        <p:nvPr/>
+      </p:nvGrpSpPr>
+      <p:grpSpPr>
+        <a:xfrm>
+          <a:off x="0" y="0"/>
+          <a:ext cx="0" cy="0"/>
+          <a:chOff x="0" y="0"/>
+          <a:chExt cx="0" cy="0"/>
+        </a:xfrm>
+      </p:grpSpPr>
+      <p:sp>
+        <p:nvSpPr>
+          <p:cNvPr id="2" name="Title 1"/>
+          <p:cNvSpPr>
+            <a:spLocks noGrp="1"/>
+          </p:cNvSpPr>
+          <p:nvPr>
+            <p:ph type="title"/>
+          </p:nvPr>
+        </p:nvSpPr>
+        <p:spPr>
+          <a:xfrm>
+            <a:off x="141605" y="122555"/>
+            <a:ext cx="7772400" cy="1143000"/>
+          </a:xfrm>
+        </p:spPr>
+        <p:txBody>
+          <a:bodyPr/>
+          <a:lstStyle/>
+          <a:p>
+            <a:r>
+              <a:rPr lang="en-US" sz="3200" dirty="0" smtClean="0">
+                <a:latin typeface="+mn-lt"/>
+                <a:cs typeface="+mn-lt"/>
+                <a:sym typeface="+mn-ea"/>
+              </a:rPr>
+              <a:t>D</a:t>
+            </a:r>
+            <a:r>
+              <a:rPr sz="3200" dirty="0" smtClean="0">
+                <a:latin typeface="+mn-lt"/>
+                <a:cs typeface="+mn-lt"/>
+                <a:sym typeface="+mn-ea"/>
+              </a:rPr>
+              <a:t>ata model</a:t>
+            </a:r>
+            <a:r>
+              <a:rPr lang="en-US" sz="3200" dirty="0" smtClean="0">
+                <a:latin typeface="+mn-lt"/>
+                <a:cs typeface="+mn-lt"/>
+                <a:sym typeface="+mn-ea"/>
+              </a:rPr>
+              <a:t>ling</a:t>
+            </a:r>
+            <a:endParaRPr lang="en-US" sz="3200" dirty="0" smtClean="0">
+              <a:latin typeface="+mn-lt"/>
+              <a:cs typeface="+mn-lt"/>
+              <a:sym typeface="+mn-ea"/>
+            </a:endParaRPr>
+          </a:p>
+        </p:txBody>
+      </p:sp>
+      <p:pic>
+        <p:nvPicPr>
+          <p:cNvPr id="5" name="Content Placeholder 4" descr="/media/jishnu/CC405AEC405ADCB0/Repositories/Training-Materials/Database Technologies/Raw Sources/FireShot Capture 001 - Sanjay Gupta_ Difference between Conceptual, Logical and Physical Dat_ - uksanjay.blogspot.com.pngFireShot Capture 001 - Sanjay Gupta_ Difference between Conceptual, Logical and Physical Dat_ - uksanjay.blogspot.com"/>
+          <p:cNvPicPr>
+            <a:picLocks noChangeAspect="1"/>
+          </p:cNvPicPr>
+          <p:nvPr>
+            <p:ph idx="1"/>
+          </p:nvPr>
+        </p:nvPicPr>
+        <p:blipFill>
+          <a:blip r:embed="rId1"/>
+          <a:srcRect/>
+          <a:stretch>
+            <a:fillRect/>
+          </a:stretch>
+        </p:blipFill>
+        <p:spPr>
+          <a:xfrm>
+            <a:off x="887095" y="1265555"/>
+            <a:ext cx="6664325" cy="4577715"/>
+          </a:xfrm>
+          <a:prstGeom prst="rect">
+            <a:avLst/>
+          </a:prstGeom>
+        </p:spPr>
+      </p:pic>
     </p:spTree>
   </p:cSld>
   <p:clrMapOvr>
